--- a/Documents/Tavern_Keeper_Poster.pptx
+++ b/Documents/Tavern_Keeper_Poster.pptx
@@ -8,7 +8,7 @@
     <p:notesMasterId r:id="rId3"/>
   </p:notesMasterIdLst>
   <p:sldIdLst>
-    <p:sldId id="258" r:id="rId2"/>
+    <p:sldId id="261" r:id="rId2"/>
   </p:sldIdLst>
   <p:sldSz cx="38404800" cy="38404800"/>
   <p:notesSz cx="6858000" cy="9144000"/>
@@ -118,12 +118,10 @@
 <file path=ppt/revisionInfo.xml><?xml version="1.0" encoding="utf-8"?>
 <p1510:revInfo xmlns:a="http://schemas.openxmlformats.org/drawingml/2006/main" xmlns:r="http://schemas.openxmlformats.org/officeDocument/2006/relationships" xmlns:p1510="http://schemas.microsoft.com/office/powerpoint/2015/10/main">
   <p1510:revLst>
-    <p1510:client id="{1E67E42B-A541-457C-B5D2-DAA75F0E0388}" v="362" dt="2025-04-15T13:44:08.142"/>
-    <p1510:client id="{1EC2648C-CF29-4E46-B598-125B69C06215}" v="13" dt="2025-04-14T19:55:55.574"/>
-    <p1510:client id="{9C0BBBF4-3341-4465-8034-FA37393821C2}" v="756" dt="2025-04-15T03:27:15.905"/>
-    <p1510:client id="{9D29AA98-653D-44AB-93A0-2DD771BF5865}" v="4" dt="2025-04-14T20:37:58.131"/>
-    <p1510:client id="{E1F782A2-07F3-442F-AD44-7EB993818C58}" v="5" dt="2025-04-14T20:16:11.639"/>
-    <p1510:client id="{E4FB98CC-8084-4459-8599-28CAEA741F13}" v="21" dt="2025-04-14T14:15:55.430"/>
+    <p1510:client id="{07432F76-4F58-4A6C-A78C-52B3F08C94B5}" v="488" dt="2025-04-17T16:10:20.129"/>
+    <p1510:client id="{770B8A4F-9ECD-4035-A356-60DEF8D95B39}" v="389" dt="2025-04-17T16:01:59.782"/>
+    <p1510:client id="{9F9B0D3B-139B-4741-9AE1-62BD158328EA}" v="205" dt="2025-04-17T04:35:13.940"/>
+    <p1510:client id="{D1EB57D1-96DE-43D6-850F-686058590611}" v="3" dt="2025-04-15T17:06:36.705"/>
   </p1510:revLst>
 </p1510:revInfo>
 </file>
@@ -210,7 +208,7 @@
           <a:p>
             <a:fld id="{64ED9595-0AE4-4B15-B393-D0F1DD0EB94B}" type="datetimeFigureOut">
               <a:rPr lang="en-US" smtClean="0"/>
-              <a:t>4/15/2025</a:t>
+              <a:t>4/17/2025</a:t>
             </a:fld>
             <a:endParaRPr lang="en-US"/>
           </a:p>
@@ -485,7 +483,7 @@
         <p:cNvPr id="1" name="">
           <a:extLst>
             <a:ext uri="{FF2B5EF4-FFF2-40B4-BE49-F238E27FC236}">
-              <a16:creationId xmlns:a16="http://schemas.microsoft.com/office/drawing/2014/main" id="{5429124F-8E5A-3669-CF61-0C7F78B65B67}"/>
+              <a16:creationId xmlns:a16="http://schemas.microsoft.com/office/drawing/2014/main" id="{65CBEEBD-545B-04DC-607D-20F218C51461}"/>
             </a:ext>
           </a:extLst>
         </p:cNvPr>
@@ -505,7 +503,7 @@
           <p:cNvPr id="2" name="Slide Image Placeholder 1">
             <a:extLst>
               <a:ext uri="{FF2B5EF4-FFF2-40B4-BE49-F238E27FC236}">
-                <a16:creationId xmlns:a16="http://schemas.microsoft.com/office/drawing/2014/main" id="{C5CFA936-5062-472C-6D63-DCDD93DC60F3}"/>
+                <a16:creationId xmlns:a16="http://schemas.microsoft.com/office/drawing/2014/main" id="{881DE401-AB5B-1713-725D-28D5AD50E6A3}"/>
               </a:ext>
             </a:extLst>
           </p:cNvPr>
@@ -528,7 +526,7 @@
           <p:cNvPr id="3" name="Notes Placeholder 2">
             <a:extLst>
               <a:ext uri="{FF2B5EF4-FFF2-40B4-BE49-F238E27FC236}">
-                <a16:creationId xmlns:a16="http://schemas.microsoft.com/office/drawing/2014/main" id="{C31C157E-4573-5ADB-953C-1D8EC2C16DF0}"/>
+                <a16:creationId xmlns:a16="http://schemas.microsoft.com/office/drawing/2014/main" id="{9CC46C29-DCA9-C8B2-58D2-7F070885846C}"/>
               </a:ext>
             </a:extLst>
           </p:cNvPr>
@@ -553,7 +551,7 @@
           <p:cNvPr id="4" name="Slide Number Placeholder 3">
             <a:extLst>
               <a:ext uri="{FF2B5EF4-FFF2-40B4-BE49-F238E27FC236}">
-                <a16:creationId xmlns:a16="http://schemas.microsoft.com/office/drawing/2014/main" id="{2CDD99C5-0E52-5AAA-1CC6-14D19DC8F803}"/>
+                <a16:creationId xmlns:a16="http://schemas.microsoft.com/office/drawing/2014/main" id="{0F4986DC-D2D1-C0A0-1DD2-9F25A406666E}"/>
               </a:ext>
             </a:extLst>
           </p:cNvPr>
@@ -580,7 +578,7 @@
     </p:spTree>
     <p:extLst>
       <p:ext uri="{BB962C8B-B14F-4D97-AF65-F5344CB8AC3E}">
-        <p14:creationId xmlns:p14="http://schemas.microsoft.com/office/powerpoint/2010/main" val="3009439021"/>
+        <p14:creationId xmlns:p14="http://schemas.microsoft.com/office/powerpoint/2010/main" val="3574096605"/>
       </p:ext>
     </p:extLst>
   </p:cSld>
@@ -719,7 +717,7 @@
           <a:p>
             <a:fld id="{41C03D7F-B796-4B92-B0C7-6D4C9CC8C787}" type="datetimeFigureOut">
               <a:rPr lang="en-US" smtClean="0"/>
-              <a:t>4/15/2025</a:t>
+              <a:t>4/17/2025</a:t>
             </a:fld>
             <a:endParaRPr lang="en-US"/>
           </a:p>
@@ -887,7 +885,7 @@
           <a:p>
             <a:fld id="{41C03D7F-B796-4B92-B0C7-6D4C9CC8C787}" type="datetimeFigureOut">
               <a:rPr lang="en-US" smtClean="0"/>
-              <a:t>4/15/2025</a:t>
+              <a:t>4/17/2025</a:t>
             </a:fld>
             <a:endParaRPr lang="en-US"/>
           </a:p>
@@ -1065,7 +1063,7 @@
           <a:p>
             <a:fld id="{41C03D7F-B796-4B92-B0C7-6D4C9CC8C787}" type="datetimeFigureOut">
               <a:rPr lang="en-US" smtClean="0"/>
-              <a:t>4/15/2025</a:t>
+              <a:t>4/17/2025</a:t>
             </a:fld>
             <a:endParaRPr lang="en-US"/>
           </a:p>
@@ -1233,7 +1231,7 @@
           <a:p>
             <a:fld id="{41C03D7F-B796-4B92-B0C7-6D4C9CC8C787}" type="datetimeFigureOut">
               <a:rPr lang="en-US" smtClean="0"/>
-              <a:t>4/15/2025</a:t>
+              <a:t>4/17/2025</a:t>
             </a:fld>
             <a:endParaRPr lang="en-US"/>
           </a:p>
@@ -1476,7 +1474,7 @@
           <a:p>
             <a:fld id="{41C03D7F-B796-4B92-B0C7-6D4C9CC8C787}" type="datetimeFigureOut">
               <a:rPr lang="en-US" smtClean="0"/>
-              <a:t>4/15/2025</a:t>
+              <a:t>4/17/2025</a:t>
             </a:fld>
             <a:endParaRPr lang="en-US"/>
           </a:p>
@@ -1705,7 +1703,7 @@
           <a:p>
             <a:fld id="{41C03D7F-B796-4B92-B0C7-6D4C9CC8C787}" type="datetimeFigureOut">
               <a:rPr lang="en-US" smtClean="0"/>
-              <a:t>4/15/2025</a:t>
+              <a:t>4/17/2025</a:t>
             </a:fld>
             <a:endParaRPr lang="en-US"/>
           </a:p>
@@ -2069,7 +2067,7 @@
           <a:p>
             <a:fld id="{41C03D7F-B796-4B92-B0C7-6D4C9CC8C787}" type="datetimeFigureOut">
               <a:rPr lang="en-US" smtClean="0"/>
-              <a:t>4/15/2025</a:t>
+              <a:t>4/17/2025</a:t>
             </a:fld>
             <a:endParaRPr lang="en-US"/>
           </a:p>
@@ -2186,7 +2184,7 @@
           <a:p>
             <a:fld id="{41C03D7F-B796-4B92-B0C7-6D4C9CC8C787}" type="datetimeFigureOut">
               <a:rPr lang="en-US" smtClean="0"/>
-              <a:t>4/15/2025</a:t>
+              <a:t>4/17/2025</a:t>
             </a:fld>
             <a:endParaRPr lang="en-US"/>
           </a:p>
@@ -2281,7 +2279,7 @@
           <a:p>
             <a:fld id="{41C03D7F-B796-4B92-B0C7-6D4C9CC8C787}" type="datetimeFigureOut">
               <a:rPr lang="en-US" smtClean="0"/>
-              <a:t>4/15/2025</a:t>
+              <a:t>4/17/2025</a:t>
             </a:fld>
             <a:endParaRPr lang="en-US"/>
           </a:p>
@@ -2556,7 +2554,7 @@
           <a:p>
             <a:fld id="{41C03D7F-B796-4B92-B0C7-6D4C9CC8C787}" type="datetimeFigureOut">
               <a:rPr lang="en-US" smtClean="0"/>
-              <a:t>4/15/2025</a:t>
+              <a:t>4/17/2025</a:t>
             </a:fld>
             <a:endParaRPr lang="en-US"/>
           </a:p>
@@ -2811,7 +2809,7 @@
           <a:p>
             <a:fld id="{41C03D7F-B796-4B92-B0C7-6D4C9CC8C787}" type="datetimeFigureOut">
               <a:rPr lang="en-US" smtClean="0"/>
-              <a:t>4/15/2025</a:t>
+              <a:t>4/17/2025</a:t>
             </a:fld>
             <a:endParaRPr lang="en-US"/>
           </a:p>
@@ -3022,7 +3020,7 @@
           <a:p>
             <a:fld id="{41C03D7F-B796-4B92-B0C7-6D4C9CC8C787}" type="datetimeFigureOut">
               <a:rPr lang="en-US" smtClean="0"/>
-              <a:t>4/15/2025</a:t>
+              <a:t>4/17/2025</a:t>
             </a:fld>
             <a:endParaRPr lang="en-US"/>
           </a:p>
@@ -3418,7 +3416,7 @@
         <p:cNvPr id="1" name="">
           <a:extLst>
             <a:ext uri="{FF2B5EF4-FFF2-40B4-BE49-F238E27FC236}">
-              <a16:creationId xmlns:a16="http://schemas.microsoft.com/office/drawing/2014/main" id="{A1D5253B-1FFC-C72C-BD3D-B58A0E9A3972}"/>
+              <a16:creationId xmlns:a16="http://schemas.microsoft.com/office/drawing/2014/main" id="{07A2C2BA-B7A2-7903-1386-228D59829D7F}"/>
             </a:ext>
           </a:extLst>
         </p:cNvPr>
@@ -3438,7 +3436,7 @@
           <p:cNvPr id="16" name="TextBox 15">
             <a:extLst>
               <a:ext uri="{FF2B5EF4-FFF2-40B4-BE49-F238E27FC236}">
-                <a16:creationId xmlns:a16="http://schemas.microsoft.com/office/drawing/2014/main" id="{9A4D273E-510D-F6B9-B223-94F25F530257}"/>
+                <a16:creationId xmlns:a16="http://schemas.microsoft.com/office/drawing/2014/main" id="{4C35F93A-0B07-3377-C18B-4C96B4DE3F47}"/>
               </a:ext>
             </a:extLst>
           </p:cNvPr>
@@ -3480,7 +3478,7 @@
           <a:p>
             <a:pPr algn="just"/>
             <a:r>
-              <a:rPr lang="en-US" sz="3300" dirty="0">
+              <a:rPr lang="en-US" sz="3300">
                 <a:ea typeface="+mn-lt"/>
                 <a:cs typeface="+mn-lt"/>
               </a:rPr>
@@ -3501,7 +3499,7 @@
           <p:cNvPr id="42" name="TextBox 41">
             <a:extLst>
               <a:ext uri="{FF2B5EF4-FFF2-40B4-BE49-F238E27FC236}">
-                <a16:creationId xmlns:a16="http://schemas.microsoft.com/office/drawing/2014/main" id="{313AAABC-50B0-5A59-847C-0895E03EA242}"/>
+                <a16:creationId xmlns:a16="http://schemas.microsoft.com/office/drawing/2014/main" id="{E3C861DF-2F47-8A81-2B85-944DB8499C2B}"/>
               </a:ext>
             </a:extLst>
           </p:cNvPr>
@@ -3560,7 +3558,7 @@
           <p:cNvPr id="9" name="TextBox 8">
             <a:extLst>
               <a:ext uri="{FF2B5EF4-FFF2-40B4-BE49-F238E27FC236}">
-                <a16:creationId xmlns:a16="http://schemas.microsoft.com/office/drawing/2014/main" id="{281921D4-1888-A05D-A82D-595F236D9995}"/>
+                <a16:creationId xmlns:a16="http://schemas.microsoft.com/office/drawing/2014/main" id="{C6D6F6D1-0E18-13B1-D88F-93D5FC76B81B}"/>
               </a:ext>
             </a:extLst>
           </p:cNvPr>
@@ -3609,7 +3607,7 @@
           <p:cNvPr id="11" name="TextBox 10">
             <a:extLst>
               <a:ext uri="{FF2B5EF4-FFF2-40B4-BE49-F238E27FC236}">
-                <a16:creationId xmlns:a16="http://schemas.microsoft.com/office/drawing/2014/main" id="{6292AF42-49CA-04BE-4F67-0E0315CE1C5F}"/>
+                <a16:creationId xmlns:a16="http://schemas.microsoft.com/office/drawing/2014/main" id="{BEA224B7-7AD1-104A-1886-AEBAFC6F74DE}"/>
               </a:ext>
             </a:extLst>
           </p:cNvPr>
@@ -3650,7 +3648,7 @@
           <p:cNvPr id="33" name="TextBox 32">
             <a:extLst>
               <a:ext uri="{FF2B5EF4-FFF2-40B4-BE49-F238E27FC236}">
-                <a16:creationId xmlns:a16="http://schemas.microsoft.com/office/drawing/2014/main" id="{3BE97EEE-890D-3DAF-B444-779CA70B71A0}"/>
+                <a16:creationId xmlns:a16="http://schemas.microsoft.com/office/drawing/2014/main" id="{682B4D79-E4FF-510E-DD54-D38B5DF34AA0}"/>
               </a:ext>
             </a:extLst>
           </p:cNvPr>
@@ -3687,7 +3685,7 @@
           <p:cNvPr id="15" name="Rectangle 14">
             <a:extLst>
               <a:ext uri="{FF2B5EF4-FFF2-40B4-BE49-F238E27FC236}">
-                <a16:creationId xmlns:a16="http://schemas.microsoft.com/office/drawing/2014/main" id="{02AE0255-D899-BC6D-D1E0-6208EAA9E7C8}"/>
+                <a16:creationId xmlns:a16="http://schemas.microsoft.com/office/drawing/2014/main" id="{54F1C64B-24E5-5D4B-7AB8-16939A741809}"/>
               </a:ext>
             </a:extLst>
           </p:cNvPr>
@@ -3737,7 +3735,7 @@
           <p:cNvPr id="19" name="Picture 18" descr="Logo&#10;&#10;Description automatically generated">
             <a:extLst>
               <a:ext uri="{FF2B5EF4-FFF2-40B4-BE49-F238E27FC236}">
-                <a16:creationId xmlns:a16="http://schemas.microsoft.com/office/drawing/2014/main" id="{A9C1A1A9-E7DB-C766-742B-4B267ADB3E0C}"/>
+                <a16:creationId xmlns:a16="http://schemas.microsoft.com/office/drawing/2014/main" id="{5EFA0AF8-C55E-D305-1AE1-2840CDEC3171}"/>
               </a:ext>
             </a:extLst>
           </p:cNvPr>
@@ -3773,7 +3771,7 @@
           <p:cNvPr id="51" name="TextBox 50">
             <a:extLst>
               <a:ext uri="{FF2B5EF4-FFF2-40B4-BE49-F238E27FC236}">
-                <a16:creationId xmlns:a16="http://schemas.microsoft.com/office/drawing/2014/main" id="{CAEFA5AA-CCF8-0C49-3CB7-BFBD866FB021}"/>
+                <a16:creationId xmlns:a16="http://schemas.microsoft.com/office/drawing/2014/main" id="{13DE21A9-962C-834C-498E-C7255CC2162F}"/>
               </a:ext>
             </a:extLst>
           </p:cNvPr>
@@ -3832,7 +3830,7 @@
           <p:cNvPr id="52" name="TextBox 51">
             <a:extLst>
               <a:ext uri="{FF2B5EF4-FFF2-40B4-BE49-F238E27FC236}">
-                <a16:creationId xmlns:a16="http://schemas.microsoft.com/office/drawing/2014/main" id="{F97A7C31-499B-029A-EEF9-7DFC35A9E9D8}"/>
+                <a16:creationId xmlns:a16="http://schemas.microsoft.com/office/drawing/2014/main" id="{8F0E95B8-4ED5-2A45-BDEF-677C36DD26F1}"/>
               </a:ext>
             </a:extLst>
           </p:cNvPr>
@@ -3875,7 +3873,7 @@
           <a:p>
             <a:pPr algn="just"/>
             <a:r>
-              <a:rPr lang="en-US" sz="3300" dirty="0">
+              <a:rPr lang="en-US" sz="3300">
                 <a:ea typeface="+mn-lt"/>
                 <a:cs typeface="+mn-lt"/>
               </a:rPr>
@@ -3893,7 +3891,7 @@
           <p:cNvPr id="53" name="TextBox 52">
             <a:extLst>
               <a:ext uri="{FF2B5EF4-FFF2-40B4-BE49-F238E27FC236}">
-                <a16:creationId xmlns:a16="http://schemas.microsoft.com/office/drawing/2014/main" id="{9922DF21-BC9D-C6ED-8643-D335BA3949C5}"/>
+                <a16:creationId xmlns:a16="http://schemas.microsoft.com/office/drawing/2014/main" id="{BA39DF4A-68CB-8526-376D-BCFA047DC88A}"/>
               </a:ext>
             </a:extLst>
           </p:cNvPr>
@@ -3952,7 +3950,7 @@
           <p:cNvPr id="54" name="TextBox 53">
             <a:extLst>
               <a:ext uri="{FF2B5EF4-FFF2-40B4-BE49-F238E27FC236}">
-                <a16:creationId xmlns:a16="http://schemas.microsoft.com/office/drawing/2014/main" id="{8B23AF3E-67E2-94EA-B86B-662B7EDFF536}"/>
+                <a16:creationId xmlns:a16="http://schemas.microsoft.com/office/drawing/2014/main" id="{EE4F3BD9-D4DD-D81C-278A-451EA8688471}"/>
               </a:ext>
             </a:extLst>
           </p:cNvPr>
@@ -3993,35 +3991,35 @@
           <a:p>
             <a:pPr algn="just"/>
             <a:r>
-              <a:rPr lang="en-US" sz="3400" dirty="0">
+              <a:rPr lang="en-US" sz="3400">
                 <a:ea typeface="Calibri"/>
                 <a:cs typeface="Calibri"/>
               </a:rPr>
               <a:t>To build Tavern Keeper, we carefully chose tools that allowed us to create a fast, reliable, and smooth experience for users. For our database needs, we use </a:t>
             </a:r>
             <a:r>
-              <a:rPr lang="en-US" sz="3400" dirty="0" err="1">
+              <a:rPr lang="en-US" sz="3400" err="1">
                 <a:ea typeface="Calibri"/>
                 <a:cs typeface="Calibri"/>
               </a:rPr>
               <a:t>Supabase</a:t>
             </a:r>
             <a:r>
-              <a:rPr lang="en-US" sz="3400" dirty="0">
+              <a:rPr lang="en-US" sz="3400">
                 <a:ea typeface="Calibri"/>
                 <a:cs typeface="Calibri"/>
               </a:rPr>
               <a:t>, which helps us securely store and manage all the content users create, update, or delete-such as characters, maps, timelines, and more. To handle providing a server on which the application could run, we utilized </a:t>
             </a:r>
             <a:r>
-              <a:rPr lang="en-US" sz="3400" dirty="0" err="1">
+              <a:rPr lang="en-US" sz="3400" err="1">
                 <a:ea typeface="Calibri"/>
                 <a:cs typeface="Calibri"/>
               </a:rPr>
               <a:t>Vercel</a:t>
             </a:r>
             <a:r>
-              <a:rPr lang="en-US" sz="3400" dirty="0">
+              <a:rPr lang="en-US" sz="3400">
                 <a:ea typeface="Calibri"/>
                 <a:cs typeface="Calibri"/>
               </a:rPr>
@@ -4035,7 +4033,7 @@
           <p:cNvPr id="55" name="TextBox 54">
             <a:extLst>
               <a:ext uri="{FF2B5EF4-FFF2-40B4-BE49-F238E27FC236}">
-                <a16:creationId xmlns:a16="http://schemas.microsoft.com/office/drawing/2014/main" id="{BDB2B177-CC2B-398C-8869-92956C06D5C6}"/>
+                <a16:creationId xmlns:a16="http://schemas.microsoft.com/office/drawing/2014/main" id="{325EA12D-2567-61B1-7624-752B5A47AD8C}"/>
               </a:ext>
             </a:extLst>
           </p:cNvPr>
@@ -4094,7 +4092,7 @@
           <p:cNvPr id="58" name="TextBox 57">
             <a:extLst>
               <a:ext uri="{FF2B5EF4-FFF2-40B4-BE49-F238E27FC236}">
-                <a16:creationId xmlns:a16="http://schemas.microsoft.com/office/drawing/2014/main" id="{209E3469-815E-0684-AD10-8B474896FBEF}"/>
+                <a16:creationId xmlns:a16="http://schemas.microsoft.com/office/drawing/2014/main" id="{E363A105-3811-E360-84A4-C574ED2BE975}"/>
               </a:ext>
             </a:extLst>
           </p:cNvPr>
@@ -4153,7 +4151,7 @@
           <p:cNvPr id="66" name="TextBox 65">
             <a:extLst>
               <a:ext uri="{FF2B5EF4-FFF2-40B4-BE49-F238E27FC236}">
-                <a16:creationId xmlns:a16="http://schemas.microsoft.com/office/drawing/2014/main" id="{EC3C79D7-9DDB-F978-FF67-FE3AD0006635}"/>
+                <a16:creationId xmlns:a16="http://schemas.microsoft.com/office/drawing/2014/main" id="{84363B3B-3FF7-DF50-2111-DFF532A5FDE1}"/>
               </a:ext>
             </a:extLst>
           </p:cNvPr>
@@ -4162,8 +4160,8 @@
         </p:nvSpPr>
         <p:spPr>
           <a:xfrm>
-            <a:off x="15445211" y="36709231"/>
-            <a:ext cx="7543800" cy="600164"/>
+            <a:off x="11565935" y="35829644"/>
+            <a:ext cx="10240991" cy="1615827"/>
           </a:xfrm>
           <a:prstGeom prst="rect">
             <a:avLst/>
@@ -4194,15 +4192,23 @@
           <a:p>
             <a:pPr algn="ctr"/>
             <a:r>
-              <a:rPr lang="en-US" sz="3300" b="1" dirty="0">
+              <a:rPr lang="en-US" sz="3300" b="1">
                 <a:solidFill>
                   <a:srgbClr val="BB1C3F"/>
                 </a:solidFill>
               </a:rPr>
-              <a:t>Figure 3: </a:t>
-            </a:r>
-            <a:r>
-              <a:rPr lang="en-US" sz="3300" dirty="0">
+              <a:t>Figure 4: </a:t>
+            </a:r>
+            <a:r>
+              <a:rPr lang="en-US" sz="3300">
+                <a:solidFill>
+                  <a:schemeClr val="tx1"/>
+                </a:solidFill>
+              </a:rPr>
+              <a:t>The </a:t>
+            </a:r>
+            <a:r>
+              <a:rPr lang="en-US" sz="3300">
                 <a:solidFill>
                   <a:srgbClr val="000000"/>
                 </a:solidFill>
@@ -4210,8 +4216,16 @@
               <a:t>Block</a:t>
             </a:r>
             <a:r>
-              <a:rPr lang="en-US" sz="3300" dirty="0"/>
-              <a:t> Diagram </a:t>
+              <a:rPr lang="en-US" sz="3300"/>
+              <a:t> Diagram shows that Tavern Keeper interacts seamlessly with the Google Auth API and the secure </a:t>
+            </a:r>
+            <a:r>
+              <a:rPr lang="en-US" sz="3300" err="1"/>
+              <a:t>Supabase</a:t>
+            </a:r>
+            <a:r>
+              <a:rPr lang="en-US" sz="3300"/>
+              <a:t> database.</a:t>
             </a:r>
             <a:endParaRPr lang="en-US" sz="3300">
               <a:ea typeface="Calibri"/>
@@ -4225,7 +4239,7 @@
           <p:cNvPr id="67" name="TextBox 66">
             <a:extLst>
               <a:ext uri="{FF2B5EF4-FFF2-40B4-BE49-F238E27FC236}">
-                <a16:creationId xmlns:a16="http://schemas.microsoft.com/office/drawing/2014/main" id="{8A1752E0-509A-6379-6C02-94F7C9345A37}"/>
+                <a16:creationId xmlns:a16="http://schemas.microsoft.com/office/drawing/2014/main" id="{4C16A963-FD0A-26AB-2599-C983BDF90C06}"/>
               </a:ext>
             </a:extLst>
           </p:cNvPr>
@@ -4284,7 +4298,7 @@
           <p:cNvPr id="72" name="TextBox 71">
             <a:extLst>
               <a:ext uri="{FF2B5EF4-FFF2-40B4-BE49-F238E27FC236}">
-                <a16:creationId xmlns:a16="http://schemas.microsoft.com/office/drawing/2014/main" id="{FC578583-631A-B227-560E-172A0DFD1274}"/>
+                <a16:creationId xmlns:a16="http://schemas.microsoft.com/office/drawing/2014/main" id="{A166993B-275A-3E0D-D5FB-04749426F42D}"/>
               </a:ext>
             </a:extLst>
           </p:cNvPr>
@@ -4343,7 +4357,7 @@
           <p:cNvPr id="17" name="TextBox 16">
             <a:extLst>
               <a:ext uri="{FF2B5EF4-FFF2-40B4-BE49-F238E27FC236}">
-                <a16:creationId xmlns:a16="http://schemas.microsoft.com/office/drawing/2014/main" id="{C0653AE2-41B4-2FC5-A4AC-85547DA0A028}"/>
+                <a16:creationId xmlns:a16="http://schemas.microsoft.com/office/drawing/2014/main" id="{4A510665-A05B-D04D-23DB-461757561CDA}"/>
               </a:ext>
             </a:extLst>
           </p:cNvPr>
@@ -4371,7 +4385,7 @@
           <a:p>
             <a:pPr algn="just"/>
             <a:r>
-              <a:rPr lang="en-US" sz="3300" dirty="0">
+              <a:rPr lang="en-US" sz="3300">
                 <a:ea typeface="+mn-lt"/>
                 <a:cs typeface="+mn-lt"/>
               </a:rPr>
@@ -4385,7 +4399,7 @@
               <a:t>Vercel</a:t>
             </a:r>
             <a:r>
-              <a:rPr lang="en-US" sz="3300" dirty="0">
+              <a:rPr lang="en-US" sz="3300">
                 <a:ea typeface="+mn-lt"/>
                 <a:cs typeface="+mn-lt"/>
               </a:rPr>
@@ -4399,7 +4413,7 @@
               <a:t>Supabase</a:t>
             </a:r>
             <a:r>
-              <a:rPr lang="en-US" sz="3300" dirty="0">
+              <a:rPr lang="en-US" sz="3300">
                 <a:ea typeface="+mn-lt"/>
                 <a:cs typeface="+mn-lt"/>
               </a:rPr>
@@ -4413,7 +4427,7 @@
               <a:t>Vercel</a:t>
             </a:r>
             <a:r>
-              <a:rPr lang="en-US" sz="3300" dirty="0">
+              <a:rPr lang="en-US" sz="3300">
                 <a:ea typeface="+mn-lt"/>
                 <a:cs typeface="+mn-lt"/>
               </a:rPr>
@@ -4427,13 +4441,13 @@
               <a:t>postgreSQL</a:t>
             </a:r>
             <a:r>
-              <a:rPr lang="en-US" sz="3300" dirty="0">
+              <a:rPr lang="en-US" sz="3300">
                 <a:ea typeface="+mn-lt"/>
                 <a:cs typeface="+mn-lt"/>
               </a:rPr>
               <a:t> that allows us to fetch data from our database into our user interface for the user to view. The Google OAuth API is handling our login functionality, ensuring that a user's information is securely secured. We have decided on this tech stack, because it is widely adopted in today's job market</a:t>
             </a:r>
-            <a:endParaRPr lang="en-US" sz="3300" dirty="0">
+            <a:endParaRPr lang="en-US" sz="3300">
               <a:ea typeface="Calibri"/>
               <a:cs typeface="Calibri"/>
             </a:endParaRPr>
@@ -4445,7 +4459,7 @@
           <p:cNvPr id="78" name="Straight Connector 77">
             <a:extLst>
               <a:ext uri="{FF2B5EF4-FFF2-40B4-BE49-F238E27FC236}">
-                <a16:creationId xmlns:a16="http://schemas.microsoft.com/office/drawing/2014/main" id="{57B76ED6-D070-031B-374B-EFC71812C238}"/>
+                <a16:creationId xmlns:a16="http://schemas.microsoft.com/office/drawing/2014/main" id="{63B53F48-B95E-9D9D-D840-57300715B912}"/>
               </a:ext>
             </a:extLst>
           </p:cNvPr>
@@ -4486,7 +4500,7 @@
           <p:cNvPr id="6" name="TextBox 5">
             <a:extLst>
               <a:ext uri="{FF2B5EF4-FFF2-40B4-BE49-F238E27FC236}">
-                <a16:creationId xmlns:a16="http://schemas.microsoft.com/office/drawing/2014/main" id="{72C94056-650C-EDD0-BEF3-0859EC5EF982}"/>
+                <a16:creationId xmlns:a16="http://schemas.microsoft.com/office/drawing/2014/main" id="{89A37472-04EB-DB60-9DA9-1DFF67391EA9}"/>
               </a:ext>
             </a:extLst>
           </p:cNvPr>
@@ -4516,14 +4530,14 @@
               <a:buAutoNum type="arabicPeriod"/>
             </a:pPr>
             <a:r>
-              <a:rPr lang="en-US" sz="3300" dirty="0">
+              <a:rPr lang="en-US" sz="3300">
                 <a:ea typeface="Calibri"/>
                 <a:cs typeface="Calibri"/>
               </a:rPr>
               <a:t>React: </a:t>
             </a:r>
             <a:r>
-              <a:rPr lang="en-US" sz="3300" dirty="0">
+              <a:rPr lang="en-US" sz="3300">
                 <a:ea typeface="Calibri"/>
                 <a:cs typeface="Calibri"/>
                 <a:hlinkClick r:id="rId4"/>
@@ -4531,7 +4545,7 @@
               <a:t>https://react.dev/learn</a:t>
             </a:r>
             <a:r>
-              <a:rPr lang="en-US" sz="3300" dirty="0">
+              <a:rPr lang="en-US" sz="3300">
                 <a:ea typeface="Calibri"/>
                 <a:cs typeface="Calibri"/>
               </a:rPr>
@@ -4547,14 +4561,14 @@
               <a:buAutoNum type="arabicPeriod"/>
             </a:pPr>
             <a:r>
-              <a:rPr lang="en-US" sz="3300" dirty="0">
+              <a:rPr lang="en-US" sz="3300">
                 <a:ea typeface="Calibri"/>
                 <a:cs typeface="Calibri"/>
               </a:rPr>
               <a:t>Node.JS: </a:t>
             </a:r>
             <a:r>
-              <a:rPr lang="en-US" sz="3300" dirty="0">
+              <a:rPr lang="en-US" sz="3300">
                 <a:ea typeface="Calibri"/>
                 <a:cs typeface="Calibri"/>
                 <a:hlinkClick r:id="rId5"/>
@@ -4562,7 +4576,7 @@
               <a:t>https://nodejs.org/en/learn/getting-started/introduction-to-nodejs</a:t>
             </a:r>
             <a:r>
-              <a:rPr lang="en-US" sz="3300" dirty="0">
+              <a:rPr lang="en-US" sz="3300">
                 <a:ea typeface="Calibri"/>
                 <a:cs typeface="Calibri"/>
               </a:rPr>
@@ -4581,14 +4595,14 @@
               <a:t>Vercel</a:t>
             </a:r>
             <a:r>
-              <a:rPr lang="en-US" sz="3300" dirty="0">
+              <a:rPr lang="en-US" sz="3300">
                 <a:ea typeface="Calibri"/>
                 <a:cs typeface="Calibri"/>
               </a:rPr>
               <a:t>: </a:t>
             </a:r>
             <a:r>
-              <a:rPr lang="en-US" sz="3300" dirty="0">
+              <a:rPr lang="en-US" sz="3300">
                 <a:ea typeface="Calibri"/>
                 <a:cs typeface="Calibri"/>
                 <a:hlinkClick r:id="rId6"/>
@@ -4596,7 +4610,7 @@
               <a:t>https://vercel.com/docs</a:t>
             </a:r>
             <a:r>
-              <a:rPr lang="en-US" sz="3300" dirty="0">
+              <a:rPr lang="en-US" sz="3300">
                 <a:ea typeface="Calibri"/>
                 <a:cs typeface="Calibri"/>
               </a:rPr>
@@ -4615,14 +4629,14 @@
               <a:t>Supabase</a:t>
             </a:r>
             <a:r>
-              <a:rPr lang="en-US" sz="3300" dirty="0">
+              <a:rPr lang="en-US" sz="3300">
                 <a:ea typeface="Calibri"/>
                 <a:cs typeface="Calibri"/>
               </a:rPr>
               <a:t>: </a:t>
             </a:r>
             <a:r>
-              <a:rPr lang="en-US" sz="3300" dirty="0">
+              <a:rPr lang="en-US" sz="3300">
                 <a:ea typeface="Calibri"/>
                 <a:cs typeface="Calibri"/>
                 <a:hlinkClick r:id="rId7"/>
@@ -4630,7 +4644,7 @@
               <a:t>https://supabase.com/docs</a:t>
             </a:r>
             <a:r>
-              <a:rPr lang="en-US" sz="3300" dirty="0">
+              <a:rPr lang="en-US" sz="3300">
                 <a:ea typeface="Calibri"/>
                 <a:cs typeface="Calibri"/>
               </a:rPr>
@@ -4642,14 +4656,14 @@
               <a:buAutoNum type="arabicPeriod"/>
             </a:pPr>
             <a:r>
-              <a:rPr lang="en-US" sz="3300" dirty="0">
+              <a:rPr lang="en-US" sz="3300">
                 <a:ea typeface="+mn-lt"/>
                 <a:cs typeface="+mn-lt"/>
               </a:rPr>
               <a:t>Visual Studio Code: </a:t>
             </a:r>
             <a:r>
-              <a:rPr lang="en-US" sz="3300" dirty="0">
+              <a:rPr lang="en-US" sz="3300">
                 <a:ea typeface="+mn-lt"/>
                 <a:cs typeface="+mn-lt"/>
                 <a:hlinkClick r:id="rId8"/>
@@ -4657,7 +4671,7 @@
               <a:t>https://code.visualstudio.com/docs</a:t>
             </a:r>
             <a:r>
-              <a:rPr lang="en-US" sz="3300" dirty="0">
+              <a:rPr lang="en-US" sz="3300">
                 <a:ea typeface="+mn-lt"/>
                 <a:cs typeface="+mn-lt"/>
               </a:rPr>
@@ -4671,7 +4685,7 @@
           <p:cNvPr id="7" name="Picture 6">
             <a:extLst>
               <a:ext uri="{FF2B5EF4-FFF2-40B4-BE49-F238E27FC236}">
-                <a16:creationId xmlns:a16="http://schemas.microsoft.com/office/drawing/2014/main" id="{29F6EC73-8FC2-4A31-274E-96A5C4D20A39}"/>
+                <a16:creationId xmlns:a16="http://schemas.microsoft.com/office/drawing/2014/main" id="{7BDF2747-D347-4A7E-7DEC-1CE3CD94785C}"/>
               </a:ext>
             </a:extLst>
           </p:cNvPr>
@@ -4701,7 +4715,7 @@
           <p:cNvPr id="13" name="TextBox 12">
             <a:extLst>
               <a:ext uri="{FF2B5EF4-FFF2-40B4-BE49-F238E27FC236}">
-                <a16:creationId xmlns:a16="http://schemas.microsoft.com/office/drawing/2014/main" id="{F16D195F-1F53-5DCF-2384-1E18995283C7}"/>
+                <a16:creationId xmlns:a16="http://schemas.microsoft.com/office/drawing/2014/main" id="{A95838F8-6D1F-0B17-1900-4A1C45C78824}"/>
               </a:ext>
             </a:extLst>
           </p:cNvPr>
@@ -4729,7 +4743,7 @@
           <a:p>
             <a:pPr algn="just"/>
             <a:r>
-              <a:rPr lang="en-US" sz="3300" dirty="0">
+              <a:rPr lang="en-US" sz="3300">
                 <a:ea typeface="+mn-lt"/>
                 <a:cs typeface="+mn-lt"/>
               </a:rPr>
@@ -4743,7 +4757,7 @@
           <p:cNvPr id="14" name="TextBox 13">
             <a:extLst>
               <a:ext uri="{FF2B5EF4-FFF2-40B4-BE49-F238E27FC236}">
-                <a16:creationId xmlns:a16="http://schemas.microsoft.com/office/drawing/2014/main" id="{765FF804-3F46-D6FC-04C4-C796A01A8B1B}"/>
+                <a16:creationId xmlns:a16="http://schemas.microsoft.com/office/drawing/2014/main" id="{FAFCC4A5-E99C-8EF3-E7A3-7511EF3B62B1}"/>
               </a:ext>
             </a:extLst>
           </p:cNvPr>
@@ -4771,7 +4785,7 @@
           <a:p>
             <a:pPr algn="just"/>
             <a:r>
-              <a:rPr lang="en-US" sz="3300" dirty="0">
+              <a:rPr lang="en-US" sz="3300">
                 <a:ea typeface="Calibri"/>
                 <a:cs typeface="Calibri"/>
               </a:rPr>
@@ -4793,7 +4807,7 @@
           <p:cNvPr id="2" name="Picture 1" descr="A screenshot of a computer&#10;&#10;AI-generated content may be incorrect.">
             <a:extLst>
               <a:ext uri="{FF2B5EF4-FFF2-40B4-BE49-F238E27FC236}">
-                <a16:creationId xmlns:a16="http://schemas.microsoft.com/office/drawing/2014/main" id="{A4E20D82-FD0A-8198-34DF-D98191738D66}"/>
+                <a16:creationId xmlns:a16="http://schemas.microsoft.com/office/drawing/2014/main" id="{C3F7A3D5-F96E-52AF-F27E-7FDCA6C78CE1}"/>
               </a:ext>
             </a:extLst>
           </p:cNvPr>
@@ -4810,8 +4824,8 @@
         </p:blipFill>
         <p:spPr>
           <a:xfrm>
-            <a:off x="13168692" y="25675475"/>
-            <a:ext cx="11795816" cy="11035325"/>
+            <a:off x="11016117" y="26134803"/>
+            <a:ext cx="11417710" cy="9702781"/>
           </a:xfrm>
           <a:prstGeom prst="rect">
             <a:avLst/>
@@ -4820,10 +4834,10 @@
       </p:pic>
       <p:pic>
         <p:nvPicPr>
-          <p:cNvPr id="3" name="Picture 2" descr="A screenshot of a video game&#10;&#10;AI-generated content may be incorrect.">
+          <p:cNvPr id="3" name="Picture 2">
             <a:extLst>
               <a:ext uri="{FF2B5EF4-FFF2-40B4-BE49-F238E27FC236}">
-                <a16:creationId xmlns:a16="http://schemas.microsoft.com/office/drawing/2014/main" id="{FE58EA25-9796-ABA1-A942-DDBE3C7D3A4D}"/>
+                <a16:creationId xmlns:a16="http://schemas.microsoft.com/office/drawing/2014/main" id="{E14D77E9-4BD5-6A78-3B9E-A97A2EF311A1}"/>
               </a:ext>
             </a:extLst>
           </p:cNvPr>
@@ -4840,8 +4854,8 @@
         </p:blipFill>
         <p:spPr>
           <a:xfrm>
-            <a:off x="11643228" y="6399244"/>
-            <a:ext cx="15118344" cy="7517488"/>
+            <a:off x="10755747" y="6495696"/>
+            <a:ext cx="16505151" cy="7793135"/>
           </a:xfrm>
           <a:prstGeom prst="rect">
             <a:avLst/>
@@ -4858,7 +4872,7 @@
           <p:cNvPr id="4" name="TextBox 3">
             <a:extLst>
               <a:ext uri="{FF2B5EF4-FFF2-40B4-BE49-F238E27FC236}">
-                <a16:creationId xmlns:a16="http://schemas.microsoft.com/office/drawing/2014/main" id="{CB0D01D4-44B3-274B-47AC-872DA9019C0D}"/>
+                <a16:creationId xmlns:a16="http://schemas.microsoft.com/office/drawing/2014/main" id="{AB3304E1-E48C-37E8-B7A4-43D7D5DD91F4}"/>
               </a:ext>
             </a:extLst>
           </p:cNvPr>
@@ -4867,7 +4881,7 @@
         </p:nvSpPr>
         <p:spPr>
           <a:xfrm>
-            <a:off x="15173607" y="14370383"/>
+            <a:off x="14579440" y="14802505"/>
             <a:ext cx="7543800" cy="600164"/>
           </a:xfrm>
           <a:prstGeom prst="rect">
@@ -4899,15 +4913,15 @@
           <a:p>
             <a:pPr algn="ctr"/>
             <a:r>
-              <a:rPr lang="en-US" sz="3300" b="1" dirty="0">
+              <a:rPr lang="en-US" sz="3300" b="1">
                 <a:solidFill>
                   <a:srgbClr val="BB1C3F"/>
                 </a:solidFill>
               </a:rPr>
-              <a:t>Figure 3: </a:t>
-            </a:r>
-            <a:r>
-              <a:rPr lang="en-US" sz="3300" dirty="0">
+              <a:t>Figure 1: </a:t>
+            </a:r>
+            <a:r>
+              <a:rPr lang="en-US" sz="3300">
                 <a:solidFill>
                   <a:srgbClr val="000000"/>
                 </a:solidFill>
@@ -4921,12 +4935,88 @@
           </a:p>
         </p:txBody>
       </p:sp>
+      <p:sp>
+        <p:nvSpPr>
+          <p:cNvPr id="20" name="TextBox 19">
+            <a:extLst>
+              <a:ext uri="{FF2B5EF4-FFF2-40B4-BE49-F238E27FC236}">
+                <a16:creationId xmlns:a16="http://schemas.microsoft.com/office/drawing/2014/main" id="{99D7825A-D164-89E4-6099-FCC6867DA47D}"/>
+              </a:ext>
+            </a:extLst>
+          </p:cNvPr>
+          <p:cNvSpPr txBox="1"/>
+          <p:nvPr/>
+        </p:nvSpPr>
+        <p:spPr>
+          <a:xfrm>
+            <a:off x="10753547" y="24600937"/>
+            <a:ext cx="11730486" cy="1615827"/>
+          </a:xfrm>
+          <a:prstGeom prst="rect">
+            <a:avLst/>
+          </a:prstGeom>
+          <a:ln>
+            <a:noFill/>
+          </a:ln>
+        </p:spPr>
+        <p:style>
+          <a:lnRef idx="2">
+            <a:schemeClr val="dk1"/>
+          </a:lnRef>
+          <a:fillRef idx="1">
+            <a:schemeClr val="lt1"/>
+          </a:fillRef>
+          <a:effectRef idx="0">
+            <a:schemeClr val="dk1"/>
+          </a:effectRef>
+          <a:fontRef idx="minor">
+            <a:schemeClr val="dk1"/>
+          </a:fontRef>
+        </p:style>
+        <p:txBody>
+          <a:bodyPr wrap="square" lIns="91440" tIns="45720" rIns="91440" bIns="45720" rtlCol="0" anchor="t">
+            <a:spAutoFit/>
+          </a:bodyPr>
+          <a:lstStyle/>
+          <a:p>
+            <a:pPr algn="ctr"/>
+            <a:r>
+              <a:rPr lang="en-US" sz="3300" b="1">
+                <a:solidFill>
+                  <a:srgbClr val="BB1C3F"/>
+                </a:solidFill>
+              </a:rPr>
+              <a:t>Figure 2: </a:t>
+            </a:r>
+            <a:r>
+              <a:rPr lang="en-US" sz="3300">
+                <a:solidFill>
+                  <a:schemeClr val="tx1"/>
+                </a:solidFill>
+              </a:rPr>
+              <a:t>These are the</a:t>
+            </a:r>
+            <a:r>
+              <a:rPr lang="en-US" sz="3300">
+                <a:solidFill>
+                  <a:srgbClr val="000000"/>
+                </a:solidFill>
+              </a:rPr>
+              <a:t> information management pages, they are used to log your characters, access your maps, and more to bring your world to life.</a:t>
+            </a:r>
+            <a:endParaRPr lang="en-US" sz="3300">
+              <a:ea typeface="Calibri"/>
+              <a:cs typeface="Calibri"/>
+            </a:endParaRPr>
+          </a:p>
+        </p:txBody>
+      </p:sp>
       <p:pic>
         <p:nvPicPr>
-          <p:cNvPr id="18" name="Picture 17">
+          <p:cNvPr id="5" name="Picture 4">
             <a:extLst>
               <a:ext uri="{FF2B5EF4-FFF2-40B4-BE49-F238E27FC236}">
-                <a16:creationId xmlns:a16="http://schemas.microsoft.com/office/drawing/2014/main" id="{68C5F0C0-A2ED-264E-C254-D2748B3F730C}"/>
+                <a16:creationId xmlns:a16="http://schemas.microsoft.com/office/drawing/2014/main" id="{F13139E4-F74F-E971-EFE2-3F5CBD3A6A3C}"/>
               </a:ext>
             </a:extLst>
           </p:cNvPr>
@@ -4943,25 +5033,25 @@
         </p:blipFill>
         <p:spPr>
           <a:xfrm>
-            <a:off x="11647992" y="16420948"/>
-            <a:ext cx="15108820" cy="6900910"/>
+            <a:off x="10767472" y="16352164"/>
+            <a:ext cx="11725085" cy="7861693"/>
           </a:xfrm>
           <a:prstGeom prst="rect">
             <a:avLst/>
           </a:prstGeom>
-          <a:ln w="28575">
+          <a:ln>
             <a:solidFill>
-              <a:srgbClr val="002060"/>
+              <a:srgbClr val="4472C4"/>
             </a:solidFill>
           </a:ln>
         </p:spPr>
       </p:pic>
       <p:sp>
         <p:nvSpPr>
-          <p:cNvPr id="20" name="TextBox 19">
+          <p:cNvPr id="24" name="TextBox 23">
             <a:extLst>
               <a:ext uri="{FF2B5EF4-FFF2-40B4-BE49-F238E27FC236}">
-                <a16:creationId xmlns:a16="http://schemas.microsoft.com/office/drawing/2014/main" id="{48C5270B-A4C8-F1CF-6076-290D29BE3A43}"/>
+                <a16:creationId xmlns:a16="http://schemas.microsoft.com/office/drawing/2014/main" id="{BEC070E9-7F23-A701-4B51-22829614984F}"/>
               </a:ext>
             </a:extLst>
           </p:cNvPr>
@@ -4970,8 +5060,8 @@
         </p:nvSpPr>
         <p:spPr>
           <a:xfrm>
-            <a:off x="15173607" y="23970233"/>
-            <a:ext cx="7543800" cy="600164"/>
+            <a:off x="23597148" y="24610805"/>
+            <a:ext cx="4163961" cy="2631490"/>
           </a:xfrm>
           <a:prstGeom prst="rect">
             <a:avLst/>
@@ -5002,12 +5092,242 @@
           <a:p>
             <a:pPr algn="ctr"/>
             <a:r>
+              <a:rPr lang="en-US" sz="3300" b="1">
+                <a:solidFill>
+                  <a:srgbClr val="BB1C3F"/>
+                </a:solidFill>
+              </a:rPr>
+              <a:t>Figure 3: </a:t>
+            </a:r>
+            <a:r>
+              <a:rPr lang="en-US" sz="3300">
+                <a:solidFill>
+                  <a:srgbClr val="000000"/>
+                </a:solidFill>
+              </a:rPr>
+              <a:t> The website uses a responsive design that allows it to be viewed on mobile devices.</a:t>
+            </a:r>
+            <a:endParaRPr lang="en-US" sz="3300">
+              <a:ea typeface="Calibri"/>
+              <a:cs typeface="Calibri"/>
+            </a:endParaRPr>
+          </a:p>
+        </p:txBody>
+      </p:sp>
+      <p:grpSp>
+        <p:nvGrpSpPr>
+          <p:cNvPr id="21" name="Group 20">
+            <a:extLst>
+              <a:ext uri="{FF2B5EF4-FFF2-40B4-BE49-F238E27FC236}">
+                <a16:creationId xmlns:a16="http://schemas.microsoft.com/office/drawing/2014/main" id="{D3973741-E404-E4FF-AF4E-3FCE6B61A1B1}"/>
+              </a:ext>
+            </a:extLst>
+          </p:cNvPr>
+          <p:cNvGrpSpPr/>
+          <p:nvPr/>
+        </p:nvGrpSpPr>
+        <p:grpSpPr>
+          <a:xfrm>
+            <a:off x="22515034" y="15839267"/>
+            <a:ext cx="6076968" cy="8694641"/>
+            <a:chOff x="22485726" y="15711485"/>
+            <a:chExt cx="6052350" cy="8497694"/>
+          </a:xfrm>
+        </p:grpSpPr>
+        <p:pic>
+          <p:nvPicPr>
+            <p:cNvPr id="12" name="Picture 11" descr="Smartphones Ícone Moderno · Gráfico vetorial grátis no Pixabay">
+              <a:extLst>
+                <a:ext uri="{FF2B5EF4-FFF2-40B4-BE49-F238E27FC236}">
+                  <a16:creationId xmlns:a16="http://schemas.microsoft.com/office/drawing/2014/main" id="{93C8D044-7322-E105-1AEA-92F3F2EB0E36}"/>
+                </a:ext>
+              </a:extLst>
+            </p:cNvPr>
+            <p:cNvPicPr>
+              <a:picLocks noChangeAspect="1"/>
+            </p:cNvPicPr>
+            <p:nvPr/>
+          </p:nvPicPr>
+          <p:blipFill>
+            <a:blip r:embed="rId13"/>
+            <a:stretch>
+              <a:fillRect/>
+            </a:stretch>
+          </p:blipFill>
+          <p:spPr>
+            <a:xfrm>
+              <a:off x="22485726" y="15711485"/>
+              <a:ext cx="6052350" cy="8497694"/>
+            </a:xfrm>
+            <a:prstGeom prst="rect">
+              <a:avLst/>
+            </a:prstGeom>
+          </p:spPr>
+        </p:pic>
+        <p:pic>
+          <p:nvPicPr>
+            <p:cNvPr id="18" name="Picture 17" descr="A screenshot of a video game&#10;&#10;AI-generated content may be incorrect.">
+              <a:extLst>
+                <a:ext uri="{FF2B5EF4-FFF2-40B4-BE49-F238E27FC236}">
+                  <a16:creationId xmlns:a16="http://schemas.microsoft.com/office/drawing/2014/main" id="{A7878C88-C154-AC0F-7E6F-4878F9FC7AB0}"/>
+                </a:ext>
+              </a:extLst>
+            </p:cNvPr>
+            <p:cNvPicPr>
+              <a:picLocks noChangeAspect="1"/>
+            </p:cNvPicPr>
+            <p:nvPr/>
+          </p:nvPicPr>
+          <p:blipFill>
+            <a:blip r:embed="rId14"/>
+            <a:stretch>
+              <a:fillRect/>
+            </a:stretch>
+          </p:blipFill>
+          <p:spPr>
+            <a:xfrm>
+              <a:off x="23772728" y="16928648"/>
+              <a:ext cx="3511964" cy="6171066"/>
+            </a:xfrm>
+            <a:prstGeom prst="rect">
+              <a:avLst/>
+            </a:prstGeom>
+          </p:spPr>
+        </p:pic>
+      </p:grpSp>
+      <p:grpSp>
+        <p:nvGrpSpPr>
+          <p:cNvPr id="8" name="Group 7">
+            <a:extLst>
+              <a:ext uri="{FF2B5EF4-FFF2-40B4-BE49-F238E27FC236}">
+                <a16:creationId xmlns:a16="http://schemas.microsoft.com/office/drawing/2014/main" id="{339DD3C0-D575-D2CE-42A1-3C0E9D164950}"/>
+              </a:ext>
+            </a:extLst>
+          </p:cNvPr>
+          <p:cNvGrpSpPr/>
+          <p:nvPr/>
+        </p:nvGrpSpPr>
+        <p:grpSpPr>
+          <a:xfrm>
+            <a:off x="22688016" y="26982239"/>
+            <a:ext cx="5657245" cy="8694641"/>
+            <a:chOff x="22694737" y="15711485"/>
+            <a:chExt cx="5634328" cy="8497694"/>
+          </a:xfrm>
+        </p:grpSpPr>
+        <p:pic>
+          <p:nvPicPr>
+            <p:cNvPr id="10" name="Picture 9" descr="Smartphones Ícone Moderno · Gráfico vetorial grátis no Pixabay">
+              <a:extLst>
+                <a:ext uri="{FF2B5EF4-FFF2-40B4-BE49-F238E27FC236}">
+                  <a16:creationId xmlns:a16="http://schemas.microsoft.com/office/drawing/2014/main" id="{D55465B4-CF55-0342-9B5B-0F1FF0277D7D}"/>
+                </a:ext>
+              </a:extLst>
+            </p:cNvPr>
+            <p:cNvPicPr>
+              <a:picLocks noChangeAspect="1"/>
+            </p:cNvPicPr>
+            <p:nvPr/>
+          </p:nvPicPr>
+          <p:blipFill>
+            <a:blip r:embed="rId13"/>
+            <a:stretch>
+              <a:fillRect/>
+            </a:stretch>
+          </p:blipFill>
+          <p:spPr>
+            <a:xfrm>
+              <a:off x="22694737" y="15711485"/>
+              <a:ext cx="5634328" cy="8497694"/>
+            </a:xfrm>
+            <a:prstGeom prst="rect">
+              <a:avLst/>
+            </a:prstGeom>
+          </p:spPr>
+        </p:pic>
+        <p:pic>
+          <p:nvPicPr>
+            <p:cNvPr id="22" name="Picture 21" descr="A screenshot of a screen&#10;&#10;AI-generated content may be incorrect.">
+              <a:extLst>
+                <a:ext uri="{FF2B5EF4-FFF2-40B4-BE49-F238E27FC236}">
+                  <a16:creationId xmlns:a16="http://schemas.microsoft.com/office/drawing/2014/main" id="{31F1E457-0D34-7BEA-4588-50D327ADDFDF}"/>
+                </a:ext>
+              </a:extLst>
+            </p:cNvPr>
+            <p:cNvPicPr>
+              <a:picLocks noChangeAspect="1"/>
+            </p:cNvPicPr>
+            <p:nvPr/>
+          </p:nvPicPr>
+          <p:blipFill>
+            <a:blip r:embed="rId15"/>
+            <a:stretch>
+              <a:fillRect/>
+            </a:stretch>
+          </p:blipFill>
+          <p:spPr>
+            <a:xfrm>
+              <a:off x="23907168" y="16986935"/>
+              <a:ext cx="3287946" cy="6091155"/>
+            </a:xfrm>
+            <a:prstGeom prst="rect">
+              <a:avLst/>
+            </a:prstGeom>
+          </p:spPr>
+        </p:pic>
+      </p:grpSp>
+      <p:sp>
+        <p:nvSpPr>
+          <p:cNvPr id="26" name="TextBox 25">
+            <a:extLst>
+              <a:ext uri="{FF2B5EF4-FFF2-40B4-BE49-F238E27FC236}">
+                <a16:creationId xmlns:a16="http://schemas.microsoft.com/office/drawing/2014/main" id="{0987CBEC-34D7-BDF3-826E-2A4DEB048B7A}"/>
+              </a:ext>
+            </a:extLst>
+          </p:cNvPr>
+          <p:cNvSpPr txBox="1"/>
+          <p:nvPr/>
+        </p:nvSpPr>
+        <p:spPr>
+          <a:xfrm>
+            <a:off x="23561222" y="35316726"/>
+            <a:ext cx="3984331" cy="2631490"/>
+          </a:xfrm>
+          <a:prstGeom prst="rect">
+            <a:avLst/>
+          </a:prstGeom>
+          <a:ln>
+            <a:noFill/>
+          </a:ln>
+        </p:spPr>
+        <p:style>
+          <a:lnRef idx="2">
+            <a:schemeClr val="dk1"/>
+          </a:lnRef>
+          <a:fillRef idx="1">
+            <a:schemeClr val="lt1"/>
+          </a:fillRef>
+          <a:effectRef idx="0">
+            <a:schemeClr val="dk1"/>
+          </a:effectRef>
+          <a:fontRef idx="minor">
+            <a:schemeClr val="dk1"/>
+          </a:fontRef>
+        </p:style>
+        <p:txBody>
+          <a:bodyPr wrap="square" lIns="91440" tIns="45720" rIns="91440" bIns="45720" rtlCol="0" anchor="t">
+            <a:spAutoFit/>
+          </a:bodyPr>
+          <a:lstStyle/>
+          <a:p>
+            <a:pPr algn="ctr"/>
+            <a:r>
               <a:rPr lang="en-US" sz="3300" b="1" dirty="0">
                 <a:solidFill>
                   <a:srgbClr val="BB1C3F"/>
                 </a:solidFill>
               </a:rPr>
-              <a:t>Figure 3: </a:t>
+              <a:t>Figure 5: </a:t>
             </a:r>
             <a:r>
               <a:rPr lang="en-US" sz="3300" dirty="0">
@@ -5015,9 +5335,9 @@
                   <a:srgbClr val="000000"/>
                 </a:solidFill>
               </a:rPr>
-              <a:t>Information management pages.</a:t>
-            </a:r>
-            <a:endParaRPr lang="en-US" sz="3300">
+              <a:t> This is a popup that lets users enter information for a character or other entry.</a:t>
+            </a:r>
+            <a:endParaRPr lang="en-US" sz="3300" dirty="0">
               <a:ea typeface="Calibri"/>
               <a:cs typeface="Calibri"/>
             </a:endParaRPr>
@@ -5027,7 +5347,7 @@
     </p:spTree>
     <p:extLst>
       <p:ext uri="{BB962C8B-B14F-4D97-AF65-F5344CB8AC3E}">
-        <p14:creationId xmlns:p14="http://schemas.microsoft.com/office/powerpoint/2010/main" val="1028049503"/>
+        <p14:creationId xmlns:p14="http://schemas.microsoft.com/office/powerpoint/2010/main" val="3713793520"/>
       </p:ext>
     </p:extLst>
   </p:cSld>
